--- a/ViewModels/View models.pptx
+++ b/ViewModels/View models.pptx
@@ -6,13 +6,13 @@
   </p:sldMasterIdLst>
   <p:sldIdLst>
     <p:sldId id="256" r:id="rId2"/>
-    <p:sldId id="257" r:id="rId3"/>
-    <p:sldId id="260" r:id="rId4"/>
-    <p:sldId id="261" r:id="rId5"/>
-    <p:sldId id="262" r:id="rId6"/>
-    <p:sldId id="259" r:id="rId7"/>
-    <p:sldId id="263" r:id="rId8"/>
-    <p:sldId id="264" r:id="rId9"/>
+    <p:sldId id="264" r:id="rId3"/>
+    <p:sldId id="257" r:id="rId4"/>
+    <p:sldId id="260" r:id="rId5"/>
+    <p:sldId id="261" r:id="rId6"/>
+    <p:sldId id="262" r:id="rId7"/>
+    <p:sldId id="259" r:id="rId8"/>
+    <p:sldId id="263" r:id="rId9"/>
   </p:sldIdLst>
   <p:sldSz cx="12192000" cy="6858000"/>
   <p:notesSz cx="6858000" cy="9144000"/>
@@ -214,7 +214,7 @@
           <a:effectLst/>
           <a:extLst>
             <a:ext uri="{91240B29-F687-4f45-9708-019B960494DF}">
-              <a14:hiddenLine xmlns="" xmlns:a14="http://schemas.microsoft.com/office/drawing/2010/main" w="9525">
+              <a14:hiddenLine xmlns:a14="http://schemas.microsoft.com/office/drawing/2010/main" xmlns="" w="9525">
                 <a:solidFill>
                   <a:srgbClr val="000000"/>
                 </a:solidFill>
@@ -1724,7 +1724,7 @@
           <a:ln/>
           <a:extLst>
             <a:ext uri="{91240B29-F687-4f45-9708-019B960494DF}">
-              <a14:hiddenLine xmlns="" xmlns:a14="http://schemas.microsoft.com/office/drawing/2010/main" w="9525">
+              <a14:hiddenLine xmlns:a14="http://schemas.microsoft.com/office/drawing/2010/main" xmlns="" w="9525">
                 <a:solidFill>
                   <a:srgbClr val="000000"/>
                 </a:solidFill>
@@ -1996,7 +1996,7 @@
           <a:ln/>
           <a:extLst>
             <a:ext uri="{91240B29-F687-4f45-9708-019B960494DF}">
-              <a14:hiddenLine xmlns="" xmlns:a14="http://schemas.microsoft.com/office/drawing/2010/main" w="9525">
+              <a14:hiddenLine xmlns:a14="http://schemas.microsoft.com/office/drawing/2010/main" xmlns="" w="9525">
                 <a:solidFill>
                   <a:srgbClr val="000000"/>
                 </a:solidFill>
@@ -2276,7 +2276,7 @@
           <a:ln/>
           <a:extLst>
             <a:ext uri="{91240B29-F687-4f45-9708-019B960494DF}">
-              <a14:hiddenLine xmlns="" xmlns:a14="http://schemas.microsoft.com/office/drawing/2010/main" w="9525">
+              <a14:hiddenLine xmlns:a14="http://schemas.microsoft.com/office/drawing/2010/main" xmlns="" w="9525">
                 <a:solidFill>
                   <a:srgbClr val="000000"/>
                 </a:solidFill>
@@ -2896,7 +2896,7 @@
           <a:ln/>
           <a:extLst>
             <a:ext uri="{91240B29-F687-4f45-9708-019B960494DF}">
-              <a14:hiddenLine xmlns="" xmlns:a14="http://schemas.microsoft.com/office/drawing/2010/main" w="9525">
+              <a14:hiddenLine xmlns:a14="http://schemas.microsoft.com/office/drawing/2010/main" xmlns="" w="9525">
                 <a:solidFill>
                   <a:srgbClr val="000000"/>
                 </a:solidFill>
@@ -3232,7 +3232,7 @@
           <a:ln/>
           <a:extLst>
             <a:ext uri="{91240B29-F687-4f45-9708-019B960494DF}">
-              <a14:hiddenLine xmlns="" xmlns:a14="http://schemas.microsoft.com/office/drawing/2010/main" w="9525">
+              <a14:hiddenLine xmlns:a14="http://schemas.microsoft.com/office/drawing/2010/main" xmlns="" w="9525">
                 <a:solidFill>
                   <a:srgbClr val="000000"/>
                 </a:solidFill>
@@ -3706,7 +3706,7 @@
           <a:ln/>
           <a:extLst>
             <a:ext uri="{91240B29-F687-4f45-9708-019B960494DF}">
-              <a14:hiddenLine xmlns="" xmlns:a14="http://schemas.microsoft.com/office/drawing/2010/main" w="9525">
+              <a14:hiddenLine xmlns:a14="http://schemas.microsoft.com/office/drawing/2010/main" xmlns="" w="9525">
                 <a:solidFill>
                   <a:srgbClr val="000000"/>
                 </a:solidFill>
@@ -4129,7 +4129,7 @@
           <a:ln/>
           <a:extLst>
             <a:ext uri="{91240B29-F687-4f45-9708-019B960494DF}">
-              <a14:hiddenLine xmlns="" xmlns:a14="http://schemas.microsoft.com/office/drawing/2010/main" w="9525">
+              <a14:hiddenLine xmlns:a14="http://schemas.microsoft.com/office/drawing/2010/main" xmlns="" w="9525">
                 <a:solidFill>
                   <a:srgbClr val="000000"/>
                 </a:solidFill>
@@ -5388,11 +5388,7 @@
             </a:br>
             <a:r>
               <a:rPr lang="pl-PL" dirty="0" smtClean="0"/>
-              <a:t>Przywracanie stanu </a:t>
-            </a:r>
-            <a:r>
-              <a:rPr lang="pl-PL" dirty="0" smtClean="0"/>
-              <a:t>aplikacji </a:t>
+              <a:t>Przywracanie stanu aplikacji </a:t>
             </a:r>
             <a:r>
               <a:rPr lang="pl-PL" dirty="0"/>
@@ -5480,6 +5476,84 @@
 </file>
 
 <file path=ppt/slides/slide2.xml><?xml version="1.0" encoding="utf-8"?>
+<p:sld xmlns:a="http://schemas.openxmlformats.org/drawingml/2006/main" xmlns:r="http://schemas.openxmlformats.org/officeDocument/2006/relationships" xmlns:p="http://schemas.openxmlformats.org/presentationml/2006/main">
+  <p:cSld>
+    <p:spTree>
+      <p:nvGrpSpPr>
+        <p:cNvPr id="1" name=""/>
+        <p:cNvGrpSpPr/>
+        <p:nvPr/>
+      </p:nvGrpSpPr>
+      <p:grpSpPr>
+        <a:xfrm>
+          <a:off x="0" y="0"/>
+          <a:ext cx="0" cy="0"/>
+          <a:chOff x="0" y="0"/>
+          <a:chExt cx="0" cy="0"/>
+        </a:xfrm>
+      </p:grpSpPr>
+      <p:sp>
+        <p:nvSpPr>
+          <p:cNvPr id="2" name="Tytuł 1"/>
+          <p:cNvSpPr>
+            <a:spLocks noGrp="1"/>
+          </p:cNvSpPr>
+          <p:nvPr>
+            <p:ph type="title"/>
+          </p:nvPr>
+        </p:nvSpPr>
+        <p:spPr/>
+        <p:txBody>
+          <a:bodyPr/>
+          <a:lstStyle/>
+          <a:p>
+            <a:r>
+              <a:rPr lang="pl-PL" dirty="0" smtClean="0"/>
+              <a:t>Omówienie tematu</a:t>
+            </a:r>
+            <a:endParaRPr lang="pl-PL" dirty="0"/>
+          </a:p>
+        </p:txBody>
+      </p:sp>
+      <p:sp>
+        <p:nvSpPr>
+          <p:cNvPr id="3" name="Symbol zastępczy zawartości 2"/>
+          <p:cNvSpPr>
+            <a:spLocks noGrp="1"/>
+          </p:cNvSpPr>
+          <p:nvPr>
+            <p:ph idx="1"/>
+          </p:nvPr>
+        </p:nvSpPr>
+        <p:spPr/>
+        <p:txBody>
+          <a:bodyPr/>
+          <a:lstStyle/>
+          <a:p>
+            <a:r>
+              <a:rPr lang="pl-PL" dirty="0">
+                <a:hlinkClick r:id="rId2"/>
+              </a:rPr>
+              <a:t>https://prezi.com/view/pxFKSUmDXrxe7BJzUc2b/</a:t>
+            </a:r>
+            <a:endParaRPr lang="pl-PL" dirty="0"/>
+          </a:p>
+        </p:txBody>
+      </p:sp>
+    </p:spTree>
+    <p:extLst>
+      <p:ext uri="{BB962C8B-B14F-4D97-AF65-F5344CB8AC3E}">
+        <p14:creationId xmlns:p14="http://schemas.microsoft.com/office/powerpoint/2010/main" val="1715973253"/>
+      </p:ext>
+    </p:extLst>
+  </p:cSld>
+  <p:clrMapOvr>
+    <a:masterClrMapping/>
+  </p:clrMapOvr>
+</p:sld>
+</file>
+
+<file path=ppt/slides/slide3.xml><?xml version="1.0" encoding="utf-8"?>
 <p:sld xmlns:a="http://schemas.openxmlformats.org/drawingml/2006/main" xmlns:r="http://schemas.openxmlformats.org/officeDocument/2006/relationships" xmlns:p="http://schemas.openxmlformats.org/presentationml/2006/main">
   <p:cSld>
     <p:spTree>
@@ -6050,7 +6124,7 @@
 </p:sld>
 </file>
 
-<file path=ppt/slides/slide3.xml><?xml version="1.0" encoding="utf-8"?>
+<file path=ppt/slides/slide4.xml><?xml version="1.0" encoding="utf-8"?>
 <p:sld xmlns:a="http://schemas.openxmlformats.org/drawingml/2006/main" xmlns:r="http://schemas.openxmlformats.org/officeDocument/2006/relationships" xmlns:p="http://schemas.openxmlformats.org/presentationml/2006/main">
   <p:cSld>
     <p:spTree>
@@ -6166,7 +6240,7 @@
 </p:sld>
 </file>
 
-<file path=ppt/slides/slide4.xml><?xml version="1.0" encoding="utf-8"?>
+<file path=ppt/slides/slide5.xml><?xml version="1.0" encoding="utf-8"?>
 <p:sld xmlns:a="http://schemas.openxmlformats.org/drawingml/2006/main" xmlns:r="http://schemas.openxmlformats.org/officeDocument/2006/relationships" xmlns:p="http://schemas.openxmlformats.org/presentationml/2006/main">
   <p:cSld>
     <p:spTree>
@@ -6282,7 +6356,7 @@
 </p:sld>
 </file>
 
-<file path=ppt/slides/slide5.xml><?xml version="1.0" encoding="utf-8"?>
+<file path=ppt/slides/slide6.xml><?xml version="1.0" encoding="utf-8"?>
 <p:sld xmlns:a="http://schemas.openxmlformats.org/drawingml/2006/main" xmlns:r="http://schemas.openxmlformats.org/officeDocument/2006/relationships" xmlns:p="http://schemas.openxmlformats.org/presentationml/2006/main">
   <p:cSld>
     <p:spTree>
@@ -6395,7 +6469,7 @@
 </p:sld>
 </file>
 
-<file path=ppt/slides/slide6.xml><?xml version="1.0" encoding="utf-8"?>
+<file path=ppt/slides/slide7.xml><?xml version="1.0" encoding="utf-8"?>
 <p:sld xmlns:a="http://schemas.openxmlformats.org/drawingml/2006/main" xmlns:r="http://schemas.openxmlformats.org/officeDocument/2006/relationships" xmlns:p="http://schemas.openxmlformats.org/presentationml/2006/main">
   <p:cSld>
     <p:spTree>
@@ -6515,185 +6589,6 @@
 </p:sld>
 </file>
 
-<file path=ppt/slides/slide7.xml><?xml version="1.0" encoding="utf-8"?>
-<p:sld xmlns:a="http://schemas.openxmlformats.org/drawingml/2006/main" xmlns:r="http://schemas.openxmlformats.org/officeDocument/2006/relationships" xmlns:p="http://schemas.openxmlformats.org/presentationml/2006/main">
-  <p:cSld>
-    <p:spTree>
-      <p:nvGrpSpPr>
-        <p:cNvPr id="1" name=""/>
-        <p:cNvGrpSpPr/>
-        <p:nvPr/>
-      </p:nvGrpSpPr>
-      <p:grpSpPr>
-        <a:xfrm>
-          <a:off x="0" y="0"/>
-          <a:ext cx="0" cy="0"/>
-          <a:chOff x="0" y="0"/>
-          <a:chExt cx="0" cy="0"/>
-        </a:xfrm>
-      </p:grpSpPr>
-      <p:sp>
-        <p:nvSpPr>
-          <p:cNvPr id="2" name="Tytuł 1"/>
-          <p:cNvSpPr>
-            <a:spLocks noGrp="1"/>
-          </p:cNvSpPr>
-          <p:nvPr>
-            <p:ph type="title"/>
-          </p:nvPr>
-        </p:nvSpPr>
-        <p:spPr/>
-        <p:txBody>
-          <a:bodyPr/>
-          <a:lstStyle/>
-          <a:p>
-            <a:r>
-              <a:rPr lang="pl-PL" dirty="0" smtClean="0"/>
-              <a:t>Uwaga</a:t>
-            </a:r>
-            <a:endParaRPr lang="pl-PL" dirty="0"/>
-          </a:p>
-        </p:txBody>
-      </p:sp>
-      <p:sp>
-        <p:nvSpPr>
-          <p:cNvPr id="3" name="Symbol zastępczy zawartości 2"/>
-          <p:cNvSpPr>
-            <a:spLocks noGrp="1"/>
-          </p:cNvSpPr>
-          <p:nvPr>
-            <p:ph idx="1"/>
-          </p:nvPr>
-        </p:nvSpPr>
-        <p:spPr/>
-        <p:txBody>
-          <a:bodyPr/>
-          <a:lstStyle/>
-          <a:p>
-            <a:r>
-              <a:rPr lang="pl-PL" dirty="0" err="1" smtClean="0"/>
-              <a:t>ViewModel</a:t>
-            </a:r>
-            <a:r>
-              <a:rPr lang="pl-PL" dirty="0" smtClean="0"/>
-              <a:t> dla Activity działa tylko w przypadku </a:t>
-            </a:r>
-            <a:r>
-              <a:rPr lang="pl-PL" altLang="pl-PL" dirty="0" err="1">
-                <a:solidFill>
-                  <a:srgbClr val="CC7832"/>
-                </a:solidFill>
-                <a:latin typeface="Courier New" panose="02070309020205020404" pitchFamily="49" charset="0"/>
-                <a:cs typeface="Courier New" panose="02070309020205020404" pitchFamily="49" charset="0"/>
-              </a:rPr>
-              <a:t>extends</a:t>
-            </a:r>
-            <a:r>
-              <a:rPr lang="pl-PL" altLang="pl-PL" dirty="0">
-                <a:solidFill>
-                  <a:srgbClr val="CC7832"/>
-                </a:solidFill>
-                <a:latin typeface="Courier New" panose="02070309020205020404" pitchFamily="49" charset="0"/>
-                <a:cs typeface="Courier New" panose="02070309020205020404" pitchFamily="49" charset="0"/>
-              </a:rPr>
-              <a:t> </a:t>
-            </a:r>
-            <a:r>
-              <a:rPr lang="pl-PL" altLang="pl-PL" dirty="0" err="1" smtClean="0">
-                <a:solidFill>
-                  <a:srgbClr val="A9B7C6"/>
-                </a:solidFill>
-                <a:latin typeface="Courier New" panose="02070309020205020404" pitchFamily="49" charset="0"/>
-                <a:cs typeface="Courier New" panose="02070309020205020404" pitchFamily="49" charset="0"/>
-              </a:rPr>
-              <a:t>AppCompatActivity</a:t>
-            </a:r>
-            <a:r>
-              <a:rPr lang="pl-PL" altLang="pl-PL" dirty="0" smtClean="0">
-                <a:latin typeface="Courier New" panose="02070309020205020404" pitchFamily="49" charset="0"/>
-                <a:cs typeface="Courier New" panose="02070309020205020404" pitchFamily="49" charset="0"/>
-              </a:rPr>
-              <a:t>.</a:t>
-            </a:r>
-            <a:endParaRPr lang="pl-PL" altLang="pl-PL" sz="4000" dirty="0">
-              <a:latin typeface="Arial" panose="020B0604020202020204" pitchFamily="34" charset="0"/>
-            </a:endParaRPr>
-          </a:p>
-          <a:p>
-            <a:r>
-              <a:rPr lang="pl-PL" dirty="0" smtClean="0"/>
-              <a:t>Dla </a:t>
-            </a:r>
-            <a:r>
-              <a:rPr lang="pl-PL" altLang="pl-PL" dirty="0" err="1">
-                <a:solidFill>
-                  <a:srgbClr val="CC7832"/>
-                </a:solidFill>
-                <a:latin typeface="Courier New" panose="02070309020205020404" pitchFamily="49" charset="0"/>
-                <a:cs typeface="Courier New" panose="02070309020205020404" pitchFamily="49" charset="0"/>
-              </a:rPr>
-              <a:t>extends</a:t>
-            </a:r>
-            <a:r>
-              <a:rPr lang="pl-PL" altLang="pl-PL" dirty="0">
-                <a:solidFill>
-                  <a:srgbClr val="CC7832"/>
-                </a:solidFill>
-                <a:latin typeface="Courier New" panose="02070309020205020404" pitchFamily="49" charset="0"/>
-                <a:cs typeface="Courier New" panose="02070309020205020404" pitchFamily="49" charset="0"/>
-              </a:rPr>
-              <a:t> </a:t>
-            </a:r>
-            <a:r>
-              <a:rPr lang="pl-PL" altLang="pl-PL" dirty="0" smtClean="0">
-                <a:solidFill>
-                  <a:srgbClr val="A9B7C6"/>
-                </a:solidFill>
-                <a:latin typeface="Courier New" panose="02070309020205020404" pitchFamily="49" charset="0"/>
-                <a:cs typeface="Courier New" panose="02070309020205020404" pitchFamily="49" charset="0"/>
-              </a:rPr>
-              <a:t>Activity, </a:t>
-            </a:r>
-            <a:r>
-              <a:rPr lang="pl-PL" altLang="pl-PL" dirty="0" smtClean="0">
-                <a:latin typeface="+mj-lt"/>
-                <a:cs typeface="Courier New" panose="02070309020205020404" pitchFamily="49" charset="0"/>
-              </a:rPr>
-              <a:t>czyli bez wsparcia </a:t>
-            </a:r>
-            <a:r>
-              <a:rPr lang="pl-PL" altLang="pl-PL" dirty="0" err="1" smtClean="0">
-                <a:latin typeface="+mj-lt"/>
-                <a:cs typeface="Courier New" panose="02070309020205020404" pitchFamily="49" charset="0"/>
-              </a:rPr>
-              <a:t>AppCompat</a:t>
-            </a:r>
-            <a:r>
-              <a:rPr lang="pl-PL" altLang="pl-PL" dirty="0" smtClean="0">
-                <a:latin typeface="+mj-lt"/>
-                <a:cs typeface="Courier New" panose="02070309020205020404" pitchFamily="49" charset="0"/>
-              </a:rPr>
-              <a:t>, trzeba korzystać z Fragmentów.</a:t>
-            </a:r>
-            <a:endParaRPr lang="pl-PL" altLang="pl-PL" sz="4000" dirty="0">
-              <a:latin typeface="+mj-lt"/>
-            </a:endParaRPr>
-          </a:p>
-        </p:txBody>
-      </p:sp>
-    </p:spTree>
-    <p:extLst>
-      <p:ext uri="{BB962C8B-B14F-4D97-AF65-F5344CB8AC3E}">
-        <p14:creationId xmlns:p14="http://schemas.microsoft.com/office/powerpoint/2010/main" val="3678317443"/>
-      </p:ext>
-    </p:extLst>
-  </p:cSld>
-  <p:clrMapOvr>
-    <a:masterClrMapping/>
-  </p:clrMapOvr>
-</p:sld>
-</file>
-
 <file path=ppt/slides/slide8.xml><?xml version="1.0" encoding="utf-8"?>
 <p:sld xmlns:a="http://schemas.openxmlformats.org/drawingml/2006/main" xmlns:r="http://schemas.openxmlformats.org/officeDocument/2006/relationships" xmlns:p="http://schemas.openxmlformats.org/presentationml/2006/main">
   <p:cSld>
@@ -6728,7 +6623,7 @@
           <a:p>
             <a:r>
               <a:rPr lang="pl-PL" dirty="0" smtClean="0"/>
-              <a:t>Link do prezentacji wprowadzającej</a:t>
+              <a:t>Uwaga</a:t>
             </a:r>
             <a:endParaRPr lang="pl-PL" dirty="0"/>
           </a:p>
@@ -6750,19 +6645,120 @@
           <a:lstStyle/>
           <a:p>
             <a:r>
-              <a:rPr lang="pl-PL">
-                <a:hlinkClick r:id="rId2"/>
+              <a:rPr lang="pl-PL" dirty="0" err="1" smtClean="0"/>
+              <a:t>ViewModel</a:t>
+            </a:r>
+            <a:r>
+              <a:rPr lang="pl-PL" dirty="0" smtClean="0"/>
+              <a:t> dla Activity działa tylko w przypadku </a:t>
+            </a:r>
+            <a:r>
+              <a:rPr lang="pl-PL" altLang="pl-PL" dirty="0" err="1">
+                <a:solidFill>
+                  <a:srgbClr val="CC7832"/>
+                </a:solidFill>
+                <a:latin typeface="Courier New" panose="02070309020205020404" pitchFamily="49" charset="0"/>
+                <a:cs typeface="Courier New" panose="02070309020205020404" pitchFamily="49" charset="0"/>
               </a:rPr>
-              <a:t>https://prezi.com/view/pxFKSUmDXrxe7BJzUc2b/</a:t>
-            </a:r>
-            <a:endParaRPr lang="pl-PL"/>
+              <a:t>extends</a:t>
+            </a:r>
+            <a:r>
+              <a:rPr lang="pl-PL" altLang="pl-PL" dirty="0">
+                <a:solidFill>
+                  <a:srgbClr val="CC7832"/>
+                </a:solidFill>
+                <a:latin typeface="Courier New" panose="02070309020205020404" pitchFamily="49" charset="0"/>
+                <a:cs typeface="Courier New" panose="02070309020205020404" pitchFamily="49" charset="0"/>
+              </a:rPr>
+              <a:t> </a:t>
+            </a:r>
+            <a:r>
+              <a:rPr lang="pl-PL" altLang="pl-PL" dirty="0" err="1" smtClean="0">
+                <a:solidFill>
+                  <a:srgbClr val="A9B7C6"/>
+                </a:solidFill>
+                <a:latin typeface="Courier New" panose="02070309020205020404" pitchFamily="49" charset="0"/>
+                <a:cs typeface="Courier New" panose="02070309020205020404" pitchFamily="49" charset="0"/>
+              </a:rPr>
+              <a:t>AppCompatActivity</a:t>
+            </a:r>
+            <a:r>
+              <a:rPr lang="pl-PL" altLang="pl-PL" dirty="0" smtClean="0">
+                <a:latin typeface="Courier New" panose="02070309020205020404" pitchFamily="49" charset="0"/>
+                <a:cs typeface="Courier New" panose="02070309020205020404" pitchFamily="49" charset="0"/>
+              </a:rPr>
+              <a:t>.</a:t>
+            </a:r>
+            <a:endParaRPr lang="pl-PL" altLang="pl-PL" sz="4000" dirty="0">
+              <a:latin typeface="Arial" panose="020B0604020202020204" pitchFamily="34" charset="0"/>
+            </a:endParaRPr>
+          </a:p>
+          <a:p>
+            <a:r>
+              <a:rPr lang="pl-PL" dirty="0" smtClean="0"/>
+              <a:t>Dla </a:t>
+            </a:r>
+            <a:r>
+              <a:rPr lang="pl-PL" altLang="pl-PL" dirty="0" err="1">
+                <a:solidFill>
+                  <a:srgbClr val="CC7832"/>
+                </a:solidFill>
+                <a:latin typeface="Courier New" panose="02070309020205020404" pitchFamily="49" charset="0"/>
+                <a:cs typeface="Courier New" panose="02070309020205020404" pitchFamily="49" charset="0"/>
+              </a:rPr>
+              <a:t>extends</a:t>
+            </a:r>
+            <a:r>
+              <a:rPr lang="pl-PL" altLang="pl-PL" dirty="0">
+                <a:solidFill>
+                  <a:srgbClr val="CC7832"/>
+                </a:solidFill>
+                <a:latin typeface="Courier New" panose="02070309020205020404" pitchFamily="49" charset="0"/>
+                <a:cs typeface="Courier New" panose="02070309020205020404" pitchFamily="49" charset="0"/>
+              </a:rPr>
+              <a:t> </a:t>
+            </a:r>
+            <a:r>
+              <a:rPr lang="pl-PL" altLang="pl-PL" dirty="0" smtClean="0">
+                <a:solidFill>
+                  <a:srgbClr val="A9B7C6"/>
+                </a:solidFill>
+                <a:latin typeface="Courier New" panose="02070309020205020404" pitchFamily="49" charset="0"/>
+                <a:cs typeface="Courier New" panose="02070309020205020404" pitchFamily="49" charset="0"/>
+              </a:rPr>
+              <a:t>Activity, </a:t>
+            </a:r>
+            <a:r>
+              <a:rPr lang="pl-PL" altLang="pl-PL" dirty="0" smtClean="0">
+                <a:latin typeface="+mj-lt"/>
+                <a:cs typeface="Courier New" panose="02070309020205020404" pitchFamily="49" charset="0"/>
+              </a:rPr>
+              <a:t>czyli bez wsparcia </a:t>
+            </a:r>
+            <a:r>
+              <a:rPr lang="pl-PL" altLang="pl-PL" dirty="0" err="1" smtClean="0">
+                <a:latin typeface="+mj-lt"/>
+                <a:cs typeface="Courier New" panose="02070309020205020404" pitchFamily="49" charset="0"/>
+              </a:rPr>
+              <a:t>AppCompat</a:t>
+            </a:r>
+            <a:r>
+              <a:rPr lang="pl-PL" altLang="pl-PL" dirty="0" smtClean="0">
+                <a:latin typeface="+mj-lt"/>
+                <a:cs typeface="Courier New" panose="02070309020205020404" pitchFamily="49" charset="0"/>
+              </a:rPr>
+              <a:t>, trzeba korzystać z Fragmentów.</a:t>
+            </a:r>
+            <a:endParaRPr lang="pl-PL" altLang="pl-PL" sz="4000" dirty="0">
+              <a:latin typeface="+mj-lt"/>
+            </a:endParaRPr>
           </a:p>
         </p:txBody>
       </p:sp>
     </p:spTree>
     <p:extLst>
       <p:ext uri="{BB962C8B-B14F-4D97-AF65-F5344CB8AC3E}">
-        <p14:creationId xmlns:p14="http://schemas.microsoft.com/office/powerpoint/2010/main" val="1715973253"/>
+        <p14:creationId xmlns:p14="http://schemas.microsoft.com/office/powerpoint/2010/main" val="3678317443"/>
       </p:ext>
     </p:extLst>
   </p:cSld>
